--- a/documents/TaskList Details.pptx
+++ b/documents/TaskList Details.pptx
@@ -5,10 +5,10 @@
     <p:sldMasterId id="2147483648" r:id="rId1"/>
   </p:sldMasterIdLst>
   <p:notesMasterIdLst>
-    <p:notesMasterId r:id="rId9"/>
+    <p:notesMasterId r:id="rId11"/>
   </p:notesMasterIdLst>
   <p:handoutMasterIdLst>
-    <p:handoutMasterId r:id="rId10"/>
+    <p:handoutMasterId r:id="rId12"/>
   </p:handoutMasterIdLst>
   <p:sldIdLst>
     <p:sldId id="256" r:id="rId3"/>
@@ -17,6 +17,8 @@
     <p:sldId id="259" r:id="rId6"/>
     <p:sldId id="260" r:id="rId7"/>
     <p:sldId id="261" r:id="rId8"/>
+    <p:sldId id="262" r:id="rId9"/>
+    <p:sldId id="263" r:id="rId10"/>
   </p:sldIdLst>
   <p:sldSz cx="12192000" cy="6858000"/>
   <p:notesSz cx="6858000" cy="9144000"/>
@@ -118,12 +120,12 @@
   <p:extLst>
     <p:ext uri="{EFAFB233-063F-42B5-8137-9DF3F51BA10A}">
       <p15:sldGuideLst xmlns:p15="http://schemas.microsoft.com/office/powerpoint/2012/main">
-        <p15:guide id="1" orient="horz" pos="2160" userDrawn="1">
+        <p15:guide id="1" orient="horz" pos="2195" userDrawn="1">
           <p15:clr>
             <a:srgbClr val="A4A3A4"/>
           </p15:clr>
         </p15:guide>
-        <p15:guide id="2" pos="3838" userDrawn="1">
+        <p15:guide id="2" pos="3842" userDrawn="1">
           <p15:clr>
             <a:srgbClr val="A4A3A4"/>
           </p15:clr>
@@ -4097,6 +4099,152 @@
 </p:sld>
 </file>
 
+<file path=ppt/slides/slide7.xml><?xml version="1.0" encoding="utf-8"?>
+<p:sld xmlns:a="http://schemas.openxmlformats.org/drawingml/2006/main" xmlns:r="http://schemas.openxmlformats.org/officeDocument/2006/relationships" xmlns:p="http://schemas.openxmlformats.org/presentationml/2006/main">
+  <p:cSld>
+    <p:spTree>
+      <p:nvGrpSpPr>
+        <p:cNvPr id="1" name=""/>
+        <p:cNvGrpSpPr/>
+        <p:nvPr/>
+      </p:nvGrpSpPr>
+      <p:grpSpPr/>
+      <p:sp>
+        <p:nvSpPr>
+          <p:cNvPr id="2" name="标题 1"/>
+          <p:cNvSpPr>
+            <a:spLocks noGrp="1"/>
+          </p:cNvSpPr>
+          <p:nvPr>
+            <p:ph type="title"/>
+            <p:custDataLst>
+              <p:tags r:id="rId1"/>
+            </p:custDataLst>
+          </p:nvPr>
+        </p:nvSpPr>
+        <p:spPr/>
+        <p:txBody>
+          <a:bodyPr/>
+          <a:p>
+            <a:r>
+              <a:rPr lang="zh-CN" altLang="en-US"/>
+              <a:t>创建</a:t>
+            </a:r>
+            <a:r>
+              <a:rPr lang="en-US" altLang="zh-CN"/>
+              <a:t>Phantom</a:t>
+            </a:r>
+            <a:r>
+              <a:rPr lang="zh-CN" altLang="en-US"/>
+              <a:t>账户</a:t>
+            </a:r>
+            <a:endParaRPr lang="zh-CN" altLang="en-US"/>
+          </a:p>
+        </p:txBody>
+      </p:sp>
+      <p:pic>
+        <p:nvPicPr>
+          <p:cNvPr id="4" name="内容占位符 3" descr="截屏2025-10-09 00.30.10"/>
+          <p:cNvPicPr>
+            <a:picLocks noChangeAspect="1"/>
+          </p:cNvPicPr>
+          <p:nvPr>
+            <p:ph idx="1"/>
+            <p:custDataLst>
+              <p:tags r:id="rId2"/>
+            </p:custDataLst>
+          </p:nvPr>
+        </p:nvPicPr>
+        <p:blipFill>
+          <a:blip r:embed="rId3"/>
+          <a:stretch>
+            <a:fillRect/>
+          </a:stretch>
+        </p:blipFill>
+        <p:spPr>
+          <a:xfrm>
+            <a:off x="608330" y="1695450"/>
+            <a:ext cx="2362200" cy="1320800"/>
+          </a:xfrm>
+          <a:prstGeom prst="rect">
+            <a:avLst/>
+          </a:prstGeom>
+        </p:spPr>
+      </p:pic>
+    </p:spTree>
+    <p:custDataLst>
+      <p:tags r:id="rId4"/>
+    </p:custDataLst>
+  </p:cSld>
+  <p:clrMapOvr>
+    <a:masterClrMapping/>
+  </p:clrMapOvr>
+</p:sld>
+</file>
+
+<file path=ppt/slides/slide8.xml><?xml version="1.0" encoding="utf-8"?>
+<p:sld xmlns:a="http://schemas.openxmlformats.org/drawingml/2006/main" xmlns:r="http://schemas.openxmlformats.org/officeDocument/2006/relationships" xmlns:p="http://schemas.openxmlformats.org/presentationml/2006/main">
+  <p:cSld>
+    <p:spTree>
+      <p:nvGrpSpPr>
+        <p:cNvPr id="1" name=""/>
+        <p:cNvGrpSpPr/>
+        <p:nvPr/>
+      </p:nvGrpSpPr>
+      <p:grpSpPr/>
+      <p:sp>
+        <p:nvSpPr>
+          <p:cNvPr id="2" name="标题 1"/>
+          <p:cNvSpPr>
+            <a:spLocks noGrp="1"/>
+          </p:cNvSpPr>
+          <p:nvPr>
+            <p:ph type="title"/>
+            <p:custDataLst>
+              <p:tags r:id="rId1"/>
+            </p:custDataLst>
+          </p:nvPr>
+        </p:nvSpPr>
+        <p:spPr/>
+        <p:txBody>
+          <a:bodyPr/>
+          <a:p>
+            <a:endParaRPr lang="zh-CN" altLang="en-US"/>
+          </a:p>
+        </p:txBody>
+      </p:sp>
+      <p:sp>
+        <p:nvSpPr>
+          <p:cNvPr id="3" name="内容占位符 2"/>
+          <p:cNvSpPr>
+            <a:spLocks noGrp="1"/>
+          </p:cNvSpPr>
+          <p:nvPr>
+            <p:ph idx="1"/>
+            <p:custDataLst>
+              <p:tags r:id="rId2"/>
+            </p:custDataLst>
+          </p:nvPr>
+        </p:nvSpPr>
+        <p:spPr/>
+        <p:txBody>
+          <a:bodyPr/>
+          <a:p>
+            <a:endParaRPr lang="zh-CN" altLang="en-US"/>
+          </a:p>
+        </p:txBody>
+      </p:sp>
+    </p:spTree>
+    <p:custDataLst>
+      <p:tags r:id="rId3"/>
+    </p:custDataLst>
+  </p:cSld>
+  <p:clrMapOvr>
+    <a:masterClrMapping/>
+  </p:clrMapOvr>
+</p:sld>
+</file>
+
 <file path=ppt/tags/tag1.xml><?xml version="1.0" encoding="utf-8"?>
 <p:tagLst xmlns:p="http://schemas.openxmlformats.org/presentationml/2006/main">
   <p:tag name="KSO_WM_UNIT_HIGHLIGHT" val="0"/>
@@ -5123,6 +5271,74 @@
 </file>
 
 <file path=ppt/tags/tag80.xml><?xml version="1.0" encoding="utf-8"?>
+<p:tagLst xmlns:p="http://schemas.openxmlformats.org/presentationml/2006/main">
+  <p:tag name="KSO_WM_BEAUTIFY_FLAG" val="#wm#"/>
+  <p:tag name="KSO_WM_TEMPLATE_CATEGORY" val="custom"/>
+  <p:tag name="KSO_WM_TEMPLATE_INDEX" val="20205081"/>
+</p:tagLst>
+</file>
+
+<file path=ppt/tags/tag81.xml><?xml version="1.0" encoding="utf-8"?>
+<p:tagLst xmlns:p="http://schemas.openxmlformats.org/presentationml/2006/main">
+  <p:tag name="KSO_WM_UNIT_HIGHLIGHT" val="0"/>
+  <p:tag name="KSO_WM_UNIT_COMPATIBLE" val="0"/>
+  <p:tag name="KSO_WM_UNIT_DIAGRAM_ISNUMVISUAL" val="0"/>
+  <p:tag name="KSO_WM_UNIT_DIAGRAM_ISREFERUNIT" val="0"/>
+  <p:tag name="KSO_WM_UNIT_ID" val="_2**"/>
+  <p:tag name="KSO_WM_UNIT_LAYERLEVEL" val="1"/>
+  <p:tag name="KSO_WM_TAG_VERSION" val="1.0"/>
+  <p:tag name="KSO_WM_BEAUTIFY_FLAG" val="#wm#"/>
+</p:tagLst>
+</file>
+
+<file path=ppt/tags/tag82.xml><?xml version="1.0" encoding="utf-8"?>
+<p:tagLst xmlns:p="http://schemas.openxmlformats.org/presentationml/2006/main">
+  <p:tag name="KSO_WM_UNIT_HIGHLIGHT" val="0"/>
+  <p:tag name="KSO_WM_UNIT_COMPATIBLE" val="0"/>
+  <p:tag name="KSO_WM_UNIT_DIAGRAM_ISNUMVISUAL" val="0"/>
+  <p:tag name="KSO_WM_UNIT_DIAGRAM_ISREFERUNIT" val="0"/>
+  <p:tag name="KSO_WM_UNIT_ID" val="_2**"/>
+  <p:tag name="KSO_WM_UNIT_LAYERLEVEL" val="1"/>
+  <p:tag name="KSO_WM_TAG_VERSION" val="1.0"/>
+  <p:tag name="KSO_WM_BEAUTIFY_FLAG" val="#wm#"/>
+</p:tagLst>
+</file>
+
+<file path=ppt/tags/tag83.xml><?xml version="1.0" encoding="utf-8"?>
+<p:tagLst xmlns:p="http://schemas.openxmlformats.org/presentationml/2006/main">
+  <p:tag name="KSO_WM_BEAUTIFY_FLAG" val="#wm#"/>
+  <p:tag name="KSO_WM_TEMPLATE_CATEGORY" val="custom"/>
+  <p:tag name="KSO_WM_TEMPLATE_INDEX" val="20205081"/>
+</p:tagLst>
+</file>
+
+<file path=ppt/tags/tag84.xml><?xml version="1.0" encoding="utf-8"?>
+<p:tagLst xmlns:p="http://schemas.openxmlformats.org/presentationml/2006/main">
+  <p:tag name="KSO_WM_UNIT_HIGHLIGHT" val="0"/>
+  <p:tag name="KSO_WM_UNIT_COMPATIBLE" val="0"/>
+  <p:tag name="KSO_WM_UNIT_DIAGRAM_ISNUMVISUAL" val="0"/>
+  <p:tag name="KSO_WM_UNIT_DIAGRAM_ISREFERUNIT" val="0"/>
+  <p:tag name="KSO_WM_UNIT_ID" val="_2**"/>
+  <p:tag name="KSO_WM_UNIT_LAYERLEVEL" val="1"/>
+  <p:tag name="KSO_WM_TAG_VERSION" val="1.0"/>
+  <p:tag name="KSO_WM_BEAUTIFY_FLAG" val="#wm#"/>
+</p:tagLst>
+</file>
+
+<file path=ppt/tags/tag85.xml><?xml version="1.0" encoding="utf-8"?>
+<p:tagLst xmlns:p="http://schemas.openxmlformats.org/presentationml/2006/main">
+  <p:tag name="KSO_WM_UNIT_HIGHLIGHT" val="0"/>
+  <p:tag name="KSO_WM_UNIT_COMPATIBLE" val="0"/>
+  <p:tag name="KSO_WM_UNIT_DIAGRAM_ISNUMVISUAL" val="0"/>
+  <p:tag name="KSO_WM_UNIT_DIAGRAM_ISREFERUNIT" val="0"/>
+  <p:tag name="KSO_WM_UNIT_ID" val="_2**"/>
+  <p:tag name="KSO_WM_UNIT_LAYERLEVEL" val="1"/>
+  <p:tag name="KSO_WM_TAG_VERSION" val="1.0"/>
+  <p:tag name="KSO_WM_BEAUTIFY_FLAG" val="#wm#"/>
+</p:tagLst>
+</file>
+
+<file path=ppt/tags/tag86.xml><?xml version="1.0" encoding="utf-8"?>
 <p:tagLst xmlns:p="http://schemas.openxmlformats.org/presentationml/2006/main">
   <p:tag name="KSO_WM_BEAUTIFY_FLAG" val="#wm#"/>
   <p:tag name="KSO_WM_TEMPLATE_CATEGORY" val="custom"/>
